--- a/IR_P_Poster.pptx
+++ b/IR_P_Poster.pptx
@@ -2966,6 +2966,21 @@
 <file path=ppt/slides/slide1.xml><?xml version="1.0" encoding="utf-8"?>
 <p:sld xmlns:a="http://schemas.openxmlformats.org/drawingml/2006/main" xmlns:r="http://schemas.openxmlformats.org/officeDocument/2006/relationships" xmlns:p="http://schemas.openxmlformats.org/presentationml/2006/main">
   <p:cSld>
+    <p:bg>
+      <p:bgPr>
+        <a:blipFill dpi="0" rotWithShape="1">
+          <a:blip r:embed="rId2">
+            <a:alphaModFix amt="70000"/>
+            <a:lum/>
+          </a:blip>
+          <a:srcRect/>
+          <a:stretch>
+            <a:fillRect/>
+          </a:stretch>
+        </a:blipFill>
+        <a:effectLst/>
+      </p:bgPr>
+    </p:bg>
     <p:spTree>
       <p:nvGrpSpPr>
         <p:cNvPr id="1" name=""/>
@@ -2980,6 +2995,42 @@
           <a:chExt cx="0" cy="0"/>
         </a:xfrm>
       </p:grpSpPr>
+      <p:pic>
+        <p:nvPicPr>
+          <p:cNvPr id="19" name="Picture 18">
+            <a:extLst>
+              <a:ext uri="{FF2B5EF4-FFF2-40B4-BE49-F238E27FC236}">
+                <a16:creationId xmlns:a16="http://schemas.microsoft.com/office/drawing/2014/main" id="{D1E0B54C-1792-4CA0-AD02-87FEC259D05C}"/>
+              </a:ext>
+            </a:extLst>
+          </p:cNvPr>
+          <p:cNvPicPr>
+            <a:picLocks noChangeAspect="1"/>
+          </p:cNvPicPr>
+          <p:nvPr/>
+        </p:nvPicPr>
+        <p:blipFill>
+          <a:blip r:embed="rId3">
+            <a:extLst>
+              <a:ext uri="{28A0092B-C50C-407E-A947-70E740481C1C}">
+                <a14:useLocalDpi xmlns:a14="http://schemas.microsoft.com/office/drawing/2010/main" val="0"/>
+              </a:ext>
+            </a:extLst>
+          </a:blip>
+          <a:stretch>
+            <a:fillRect/>
+          </a:stretch>
+        </p:blipFill>
+        <p:spPr>
+          <a:xfrm>
+            <a:off x="1204012" y="23996205"/>
+            <a:ext cx="8905861" cy="8905861"/>
+          </a:xfrm>
+          <a:prstGeom prst="rect">
+            <a:avLst/>
+          </a:prstGeom>
+        </p:spPr>
+      </p:pic>
       <p:sp>
         <p:nvSpPr>
           <p:cNvPr id="2" name="TextBox 1">
@@ -3010,11 +3061,7 @@
           <a:p>
             <a:pPr algn="ctr"/>
             <a:r>
-              <a:rPr lang="en-US" sz="8000" b="1" spc="300" dirty="0">
-                <a:solidFill>
-                  <a:schemeClr val="bg1"/>
-                </a:solidFill>
-              </a:rPr>
+              <a:rPr lang="en-US" sz="8000" b="1" spc="300" dirty="0"/>
               <a:t>Recommendation on Fantasy  League - ROFL</a:t>
             </a:r>
           </a:p>
@@ -3051,9 +3098,6 @@
             <a:pPr algn="ctr"/>
             <a:r>
               <a:rPr lang="en-US" sz="4000" dirty="0">
-                <a:solidFill>
-                  <a:schemeClr val="bg1"/>
-                </a:solidFill>
                 <a:latin typeface="+mj-lt"/>
               </a:rPr>
               <a:t>Shubham Bhargava, Snehil, Vaibhav Rawat, Tushar Turkar</a:t>
@@ -3063,9 +3107,6 @@
             <a:pPr algn="ctr"/>
             <a:r>
               <a:rPr lang="en-US" sz="4000" dirty="0">
-                <a:solidFill>
-                  <a:schemeClr val="bg1"/>
-                </a:solidFill>
                 <a:latin typeface="+mj-lt"/>
                 <a:ea typeface="Nanami" panose="02000000000000000000" pitchFamily="50" charset="2"/>
               </a:rPr>
@@ -3088,7 +3129,7 @@
         </p:nvSpPr>
         <p:spPr>
           <a:xfrm>
-            <a:off x="-10718800" y="3526971"/>
+            <a:off x="671286" y="4149060"/>
             <a:ext cx="9971314" cy="5755422"/>
           </a:xfrm>
           <a:prstGeom prst="rect">
@@ -3104,21 +3145,13 @@
           <a:p>
             <a:pPr algn="ctr"/>
             <a:r>
-              <a:rPr lang="en-US" sz="4800" b="1" dirty="0">
-                <a:solidFill>
-                  <a:schemeClr val="bg1"/>
-                </a:solidFill>
-              </a:rPr>
+              <a:rPr lang="en-US" sz="4800" b="1" dirty="0"/>
               <a:t>Introduction</a:t>
             </a:r>
           </a:p>
           <a:p>
             <a:pPr algn="ctr"/>
-            <a:endParaRPr lang="en-US" sz="3200" dirty="0">
-              <a:solidFill>
-                <a:schemeClr val="bg1"/>
-              </a:solidFill>
-            </a:endParaRPr>
+            <a:endParaRPr lang="en-US" sz="3200" dirty="0"/>
           </a:p>
           <a:p>
             <a:pPr marL="457200" indent="-457200">
@@ -3126,12 +3159,8 @@
               <a:buChar char="•"/>
             </a:pPr>
             <a:r>
-              <a:rPr lang="en-US" sz="3200" dirty="0">
-                <a:solidFill>
-                  <a:schemeClr val="bg1"/>
-                </a:solidFill>
-              </a:rPr>
-              <a:t>English Premier League is the most sought after sports league. Fantasy football league emulates its experience wherein participants assemble a team of players under certain budget constraints and score points based on how well those players performed. </a:t>
+              <a:rPr lang="en-US" sz="3200" dirty="0"/>
+              <a:t>Fantasy football league emulates the experience of English Premier League wherein participants assemble a team of players under certain budget constraints and score points based on how well those players performed. </a:t>
             </a:r>
           </a:p>
           <a:p>
@@ -3140,11 +3169,7 @@
               <a:buChar char="•"/>
             </a:pPr>
             <a:r>
-              <a:rPr lang="en-US" sz="3200" dirty="0">
-                <a:solidFill>
-                  <a:schemeClr val="bg1"/>
-                </a:solidFill>
-              </a:rPr>
+              <a:rPr lang="en-US" sz="3200" dirty="0"/>
               <a:t>The aim of the game is to score as many points as possible. The scoring is done based on factors such as goals scored, assists, clean sheets, penalties, fouls,  wins / losses, etc.</a:t>
             </a:r>
           </a:p>
@@ -3166,15 +3191,15 @@
         </p:nvCxnSpPr>
         <p:spPr>
           <a:xfrm>
-            <a:off x="10972800" y="5638800"/>
-            <a:ext cx="0" cy="25984200"/>
+            <a:off x="10972800" y="3771900"/>
+            <a:ext cx="0" cy="28422600"/>
           </a:xfrm>
           <a:prstGeom prst="line">
             <a:avLst/>
           </a:prstGeom>
           <a:ln>
             <a:solidFill>
-              <a:schemeClr val="bg1"/>
+              <a:schemeClr val="tx1"/>
             </a:solidFill>
           </a:ln>
         </p:spPr>
@@ -3207,8 +3232,8 @@
         </p:nvSpPr>
         <p:spPr>
           <a:xfrm>
-            <a:off x="-11049000" y="12347107"/>
-            <a:ext cx="9971314" cy="6986528"/>
+            <a:off x="671286" y="10643413"/>
+            <a:ext cx="9971314" cy="7232749"/>
           </a:xfrm>
           <a:prstGeom prst="rect">
             <a:avLst/>
@@ -3223,21 +3248,13 @@
           <a:p>
             <a:pPr algn="ctr"/>
             <a:r>
-              <a:rPr lang="en-US" sz="3200" dirty="0">
-                <a:solidFill>
-                  <a:schemeClr val="bg1"/>
-                </a:solidFill>
-              </a:rPr>
+              <a:rPr lang="en-US" sz="4800" b="1" dirty="0"/>
               <a:t>Motivation</a:t>
             </a:r>
           </a:p>
           <a:p>
             <a:pPr algn="ctr"/>
-            <a:endParaRPr lang="en-US" sz="3200" dirty="0">
-              <a:solidFill>
-                <a:schemeClr val="bg1"/>
-              </a:solidFill>
-            </a:endParaRPr>
+            <a:endParaRPr lang="en-US" sz="3200" dirty="0"/>
           </a:p>
           <a:p>
             <a:pPr marL="457200" indent="-457200">
@@ -3245,11 +3262,7 @@
               <a:buChar char="•"/>
             </a:pPr>
             <a:r>
-              <a:rPr lang="en-US" sz="3200" dirty="0">
-                <a:solidFill>
-                  <a:schemeClr val="bg1"/>
-                </a:solidFill>
-              </a:rPr>
+              <a:rPr lang="en-US" sz="3200" dirty="0"/>
               <a:t>The motivation of this project is to help soccer fans make informed decisions. Since our algorithms has no biases towards players, it helps bring lesser known players who are projected to perform well into limelight by taking into consideration unique intrinsic features and current player form.</a:t>
             </a:r>
           </a:p>
@@ -3259,12 +3272,8 @@
               <a:buChar char="•"/>
             </a:pPr>
             <a:r>
-              <a:rPr lang="en-US" sz="3200" dirty="0">
-                <a:solidFill>
-                  <a:schemeClr val="bg1"/>
-                </a:solidFill>
-              </a:rPr>
-              <a:t>As soccer fans and budding data scientists, we plan to tackle this optimization problem of selecting players to get maximum score. Here, we propose a recommender engine that provides position-wise rankings of the players (FWD, MID, DEF, GLK) that are expected to bring users more points in the upcoming fixtures.</a:t>
+              <a:rPr lang="en-US" sz="3200" dirty="0"/>
+              <a:t>As soccer fans and budding data scientists, we plan to tackle this optimization problem of selecting players to get maximum score by proposing a recommender engine that provides position-wise rankings of the players (FWD, MID, DEF, GLK) that are expected to bring users more points in the upcoming fixtures.</a:t>
             </a:r>
           </a:p>
         </p:txBody>
@@ -3283,7 +3292,7 @@
         </p:nvSpPr>
         <p:spPr>
           <a:xfrm>
-            <a:off x="-11049000" y="20973027"/>
+            <a:off x="533400" y="18615093"/>
             <a:ext cx="9971314" cy="6247864"/>
           </a:xfrm>
           <a:prstGeom prst="rect">
@@ -3299,26 +3308,14 @@
           <a:p>
             <a:pPr algn="ctr"/>
             <a:r>
-              <a:rPr lang="en-US" sz="4800" b="1" dirty="0">
-                <a:solidFill>
-                  <a:schemeClr val="bg1"/>
-                </a:solidFill>
-              </a:rPr>
-              <a:t>Dataset</a:t>
-            </a:r>
-            <a:endParaRPr lang="en-US" sz="3200" b="1" dirty="0">
-              <a:solidFill>
-                <a:schemeClr val="bg1"/>
-              </a:solidFill>
-            </a:endParaRPr>
+              <a:rPr lang="en-US" sz="4800" b="1" dirty="0"/>
+              <a:t>Dataset &amp; Architecture</a:t>
+            </a:r>
+            <a:endParaRPr lang="en-US" sz="3200" b="1" dirty="0"/>
           </a:p>
           <a:p>
             <a:pPr algn="ctr"/>
-            <a:endParaRPr lang="en-US" sz="3200" dirty="0">
-              <a:solidFill>
-                <a:schemeClr val="bg1"/>
-              </a:solidFill>
-            </a:endParaRPr>
+            <a:endParaRPr lang="en-US" sz="3200" dirty="0"/>
           </a:p>
           <a:p>
             <a:pPr marL="457200" indent="-457200">
@@ -3326,11 +3323,7 @@
               <a:buChar char="•"/>
             </a:pPr>
             <a:r>
-              <a:rPr lang="en-US" sz="3200" dirty="0">
-                <a:solidFill>
-                  <a:schemeClr val="bg1"/>
-                </a:solidFill>
-              </a:rPr>
+              <a:rPr lang="en-US" sz="3200" dirty="0"/>
               <a:t>Dataset for season 2016-17 and current season has been obtained from Fantasy Premier League website. Dataset includes both explicit (goals scored, assists, etc.) and implicit (play-making, creativity, etc.) features and past history performances for about 700 players in 20 teams across 38 game-weeks per season and  up to past 8 seasons’ history data.</a:t>
             </a:r>
           </a:p>
@@ -3340,11 +3333,7 @@
               <a:buChar char="•"/>
             </a:pPr>
             <a:r>
-              <a:rPr lang="en-US" sz="3200" dirty="0">
-                <a:solidFill>
-                  <a:schemeClr val="bg1"/>
-                </a:solidFill>
-              </a:rPr>
+              <a:rPr lang="en-US" sz="3200" dirty="0"/>
               <a:t>Player position and team data has been scraped from FoxSports soccer stats website and integrated into the main data repository.</a:t>
             </a:r>
           </a:p>
@@ -3364,8 +3353,8 @@
         </p:nvSpPr>
         <p:spPr>
           <a:xfrm>
-            <a:off x="22210486" y="15840371"/>
-            <a:ext cx="9971314" cy="3785652"/>
+            <a:off x="11179627" y="13813074"/>
+            <a:ext cx="9971314" cy="4770537"/>
           </a:xfrm>
           <a:prstGeom prst="rect">
             <a:avLst/>
@@ -3380,26 +3369,14 @@
           <a:p>
             <a:pPr algn="ctr"/>
             <a:r>
-              <a:rPr lang="en-US" sz="4800" b="1" dirty="0">
-                <a:solidFill>
-                  <a:schemeClr val="bg1"/>
-                </a:solidFill>
-              </a:rPr>
+              <a:rPr lang="en-US" sz="4800" b="1" dirty="0"/>
               <a:t>Key Takeaways</a:t>
             </a:r>
-            <a:endParaRPr lang="en-US" sz="3600" b="1" dirty="0">
-              <a:solidFill>
-                <a:schemeClr val="bg1"/>
-              </a:solidFill>
-            </a:endParaRPr>
+            <a:endParaRPr lang="en-US" sz="3600" b="1" dirty="0"/>
           </a:p>
           <a:p>
             <a:pPr algn="ctr"/>
-            <a:endParaRPr lang="en-US" sz="3200" dirty="0">
-              <a:solidFill>
-                <a:schemeClr val="bg1"/>
-              </a:solidFill>
-            </a:endParaRPr>
+            <a:endParaRPr lang="en-US" sz="3200" dirty="0"/>
           </a:p>
           <a:p>
             <a:pPr marL="457200" indent="-457200">
@@ -3407,12 +3384,8 @@
               <a:buChar char="•"/>
             </a:pPr>
             <a:r>
-              <a:rPr lang="en-US" sz="3200" dirty="0">
-                <a:solidFill>
-                  <a:schemeClr val="bg1"/>
-                </a:solidFill>
-              </a:rPr>
-              <a:t>Ranking SVM performed better than Regression and SVR it computes pairwise ranking.</a:t>
+              <a:rPr lang="en-US" sz="3200" dirty="0"/>
+              <a:t>Ranking SVM outperformed Regression and SVR based approaches as it computes pairwise results.</a:t>
             </a:r>
           </a:p>
           <a:p>
@@ -3421,12 +3394,8 @@
               <a:buChar char="•"/>
             </a:pPr>
             <a:r>
-              <a:rPr lang="en-US" sz="3200" dirty="0">
-                <a:solidFill>
-                  <a:schemeClr val="bg1"/>
-                </a:solidFill>
-              </a:rPr>
-              <a:t>Using implicit features like ICT(Influence, Creativity and Threat), Bonus points, etc. helped improve the prediction</a:t>
+              <a:rPr lang="en-US" sz="3200" dirty="0"/>
+              <a:t>Players’ current trend has most impact on predicting next game-weeks performance as compared to player’s past seasons’ performance. Implicit features like ICT (Influence, Creativity and Threat), Bonus have little effect in improving the precision score.</a:t>
             </a:r>
           </a:p>
         </p:txBody>
@@ -3445,8 +3414,8 @@
         </p:nvSpPr>
         <p:spPr>
           <a:xfrm>
-            <a:off x="21978261" y="20973027"/>
-            <a:ext cx="10435763" cy="4524315"/>
+            <a:off x="11179628" y="19876117"/>
+            <a:ext cx="10232572" cy="4524315"/>
           </a:xfrm>
           <a:prstGeom prst="rect">
             <a:avLst/>
@@ -3461,21 +3430,13 @@
           <a:p>
             <a:pPr algn="ctr"/>
             <a:r>
-              <a:rPr lang="en-US" sz="4800" b="1" dirty="0">
-                <a:solidFill>
-                  <a:schemeClr val="bg1"/>
-                </a:solidFill>
-              </a:rPr>
+              <a:rPr lang="en-US" sz="4800" b="1" dirty="0"/>
               <a:t>Ethical Impacts</a:t>
             </a:r>
           </a:p>
           <a:p>
             <a:pPr algn="ctr"/>
-            <a:endParaRPr lang="en-US" sz="4800" b="1" dirty="0">
-              <a:solidFill>
-                <a:schemeClr val="bg1"/>
-              </a:solidFill>
-            </a:endParaRPr>
+            <a:endParaRPr lang="en-US" sz="4800" b="1" dirty="0"/>
           </a:p>
           <a:p>
             <a:pPr marL="457200" indent="-457200">
@@ -3483,11 +3444,7 @@
               <a:buChar char="•"/>
             </a:pPr>
             <a:r>
-              <a:rPr lang="en-US" sz="3200" dirty="0">
-                <a:solidFill>
-                  <a:schemeClr val="bg1"/>
-                </a:solidFill>
-              </a:rPr>
+              <a:rPr lang="en-US" sz="3200" dirty="0"/>
               <a:t>This tool unintentionally coaxes people to indulge in online wagers indirectly and spoils the spirit of the sport by recommending better strategies.</a:t>
             </a:r>
           </a:p>
@@ -3497,11 +3454,7 @@
               <a:buChar char="•"/>
             </a:pPr>
             <a:r>
-              <a:rPr lang="en-US" sz="3200" dirty="0">
-                <a:solidFill>
-                  <a:schemeClr val="bg1"/>
-                </a:solidFill>
-              </a:rPr>
+              <a:rPr lang="en-US" sz="3200" dirty="0"/>
               <a:t>While the system has no biases towards the players, it tends to rate players based on their recent performances, which can be detrimental to new players.</a:t>
             </a:r>
           </a:p>
@@ -3521,8 +3474,8 @@
         </p:nvSpPr>
         <p:spPr>
           <a:xfrm>
-            <a:off x="22210486" y="26863663"/>
-            <a:ext cx="10435765" cy="3293209"/>
+            <a:off x="11179628" y="25689327"/>
+            <a:ext cx="10232572" cy="3293209"/>
           </a:xfrm>
           <a:prstGeom prst="rect">
             <a:avLst/>
@@ -3537,21 +3490,13 @@
           <a:p>
             <a:pPr algn="ctr"/>
             <a:r>
-              <a:rPr lang="en-US" sz="4800" b="1" dirty="0">
-                <a:solidFill>
-                  <a:schemeClr val="bg1"/>
-                </a:solidFill>
-              </a:rPr>
+              <a:rPr lang="en-US" sz="4800" b="1" dirty="0"/>
               <a:t> Related Work and References</a:t>
             </a:r>
           </a:p>
           <a:p>
             <a:pPr algn="ctr"/>
-            <a:endParaRPr lang="en-US" sz="3200" dirty="0">
-              <a:solidFill>
-                <a:schemeClr val="bg1"/>
-              </a:solidFill>
-            </a:endParaRPr>
+            <a:endParaRPr lang="en-US" sz="3200" dirty="0"/>
           </a:p>
           <a:p>
             <a:pPr marL="457200" indent="-457200">
@@ -3559,11 +3504,7 @@
               <a:buChar char="•"/>
             </a:pPr>
             <a:r>
-              <a:rPr lang="en-US" sz="3200" dirty="0">
-                <a:solidFill>
-                  <a:schemeClr val="bg1"/>
-                </a:solidFill>
-              </a:rPr>
+              <a:rPr lang="en-US" sz="3200" dirty="0"/>
               <a:t>Fantasy Football Fix suggests customized transfers, player projected points, etc. based on past statistics. </a:t>
             </a:r>
           </a:p>
@@ -3573,134 +3514,8 @@
               <a:buChar char="•"/>
             </a:pPr>
             <a:r>
-              <a:rPr lang="en-US" sz="3200" dirty="0">
-                <a:solidFill>
-                  <a:schemeClr val="bg1"/>
-                </a:solidFill>
-              </a:rPr>
-              <a:t>Fantasy Football Geek and Scout post news, game analysis, current player rankings,, tips and tricks, etc.</a:t>
-            </a:r>
-          </a:p>
-        </p:txBody>
-      </p:sp>
-      <p:sp>
-        <p:nvSpPr>
-          <p:cNvPr id="13" name="TextBox 12">
-            <a:extLst>
-              <a:ext uri="{FF2B5EF4-FFF2-40B4-BE49-F238E27FC236}">
-                <a16:creationId xmlns:a16="http://schemas.microsoft.com/office/drawing/2014/main" id="{582BFEF2-8DAE-4E5C-A008-889420DD172C}"/>
-              </a:ext>
-            </a:extLst>
-          </p:cNvPr>
-          <p:cNvSpPr txBox="1"/>
-          <p:nvPr/>
-        </p:nvSpPr>
-        <p:spPr>
-          <a:xfrm>
-            <a:off x="609600" y="28867496"/>
-            <a:ext cx="9971314" cy="5016758"/>
-          </a:xfrm>
-          <a:prstGeom prst="rect">
-            <a:avLst/>
-          </a:prstGeom>
-          <a:noFill/>
-        </p:spPr>
-        <p:txBody>
-          <a:bodyPr wrap="square" rtlCol="0">
-            <a:spAutoFit/>
-          </a:bodyPr>
-          <a:lstStyle/>
-          <a:p>
-            <a:pPr algn="ctr"/>
-            <a:r>
-              <a:rPr lang="en-US" sz="3200" dirty="0">
-                <a:solidFill>
-                  <a:schemeClr val="bg1"/>
-                </a:solidFill>
-              </a:rPr>
-              <a:t>Architecture</a:t>
-            </a:r>
-          </a:p>
-          <a:p>
-            <a:pPr algn="ctr"/>
-            <a:endParaRPr lang="en-US" sz="3200" dirty="0">
-              <a:solidFill>
-                <a:schemeClr val="bg1"/>
-              </a:solidFill>
-            </a:endParaRPr>
-          </a:p>
-          <a:p>
-            <a:pPr marL="457200" indent="-457200">
-              <a:buFont typeface="Arial" panose="020B0604020202020204" pitchFamily="34" charset="0"/>
-              <a:buChar char="•"/>
-            </a:pPr>
-            <a:r>
-              <a:rPr lang="en-US" sz="3200" dirty="0">
-                <a:solidFill>
-                  <a:schemeClr val="bg1"/>
-                </a:solidFill>
-              </a:rPr>
-              <a:t>Dataset for season 2016-17 has been obtained from (link </a:t>
-            </a:r>
-            <a:r>
-              <a:rPr lang="en-US" sz="3200" dirty="0" err="1">
-                <a:solidFill>
-                  <a:schemeClr val="bg1"/>
-                </a:solidFill>
-              </a:rPr>
-              <a:t>github</a:t>
-            </a:r>
-            <a:r>
-              <a:rPr lang="en-US" sz="3200" dirty="0">
-                <a:solidFill>
-                  <a:schemeClr val="bg1"/>
-                </a:solidFill>
-              </a:rPr>
-              <a:t> repo </a:t>
-            </a:r>
-            <a:r>
-              <a:rPr lang="en-US" sz="3200" dirty="0" err="1">
-                <a:solidFill>
-                  <a:schemeClr val="bg1"/>
-                </a:solidFill>
-              </a:rPr>
-              <a:t>vastav</a:t>
-            </a:r>
-            <a:r>
-              <a:rPr lang="en-US" sz="3200" dirty="0">
-                <a:solidFill>
-                  <a:schemeClr val="bg1"/>
-                </a:solidFill>
-              </a:rPr>
-              <a:t>)</a:t>
-            </a:r>
-          </a:p>
-          <a:p>
-            <a:pPr marL="457200" indent="-457200">
-              <a:buFont typeface="Arial" panose="020B0604020202020204" pitchFamily="34" charset="0"/>
-              <a:buChar char="•"/>
-            </a:pPr>
-            <a:r>
-              <a:rPr lang="en-US" sz="3200" dirty="0">
-                <a:solidFill>
-                  <a:schemeClr val="bg1"/>
-                </a:solidFill>
-              </a:rPr>
-              <a:t>Current Season data is scraped from Fantasy Premier League website. Dataset includes both explicit and implicit features for each player, and player past history. Player position and team data has been taken from FoxSports.</a:t>
-            </a:r>
-          </a:p>
-          <a:p>
-            <a:pPr marL="457200" indent="-457200">
-              <a:buFont typeface="Arial" panose="020B0604020202020204" pitchFamily="34" charset="0"/>
-              <a:buChar char="•"/>
-            </a:pPr>
-            <a:r>
-              <a:rPr lang="en-US" sz="3200" dirty="0">
-                <a:solidFill>
-                  <a:schemeClr val="bg1"/>
-                </a:solidFill>
-              </a:rPr>
-              <a:t>All data merged together.</a:t>
+              <a:rPr lang="en-US" sz="3200" dirty="0"/>
+              <a:t>Fantasy Football Geek and Scout post news, game analysis, current player rankings, tips and tricks, etc.</a:t>
             </a:r>
           </a:p>
         </p:txBody>
@@ -3719,8 +3534,8 @@
         </p:nvSpPr>
         <p:spPr>
           <a:xfrm>
-            <a:off x="11179627" y="6066841"/>
-            <a:ext cx="9971314" cy="11418510"/>
+            <a:off x="11179627" y="4200636"/>
+            <a:ext cx="9971314" cy="8710077"/>
           </a:xfrm>
           <a:prstGeom prst="rect">
             <a:avLst/>
@@ -3735,21 +3550,14 @@
           <a:p>
             <a:pPr algn="ctr"/>
             <a:r>
-              <a:rPr lang="en-US" sz="3200" dirty="0">
-                <a:solidFill>
-                  <a:schemeClr val="bg1"/>
-                </a:solidFill>
-              </a:rPr>
+              <a:rPr lang="en-US" sz="4800" b="1" dirty="0"/>
               <a:t>Methodologies</a:t>
             </a:r>
+            <a:endParaRPr lang="en-US" sz="3200" b="1" dirty="0"/>
           </a:p>
           <a:p>
             <a:pPr algn="ctr"/>
-            <a:endParaRPr lang="en-US" sz="3200" dirty="0">
-              <a:solidFill>
-                <a:schemeClr val="bg1"/>
-              </a:solidFill>
-            </a:endParaRPr>
+            <a:endParaRPr lang="en-US" sz="3200" dirty="0"/>
           </a:p>
           <a:p>
             <a:pPr marL="457200" indent="-457200">
@@ -3757,12 +3565,8 @@
               <a:buChar char="•"/>
             </a:pPr>
             <a:r>
-              <a:rPr lang="en-US" sz="3200" dirty="0">
-                <a:solidFill>
-                  <a:schemeClr val="bg1"/>
-                </a:solidFill>
-              </a:rPr>
-              <a:t>As soccer fans and budding data scientists, we plan to tackle the problem of selecting players in an optimal and unbiased way. Most people, around the world, place bets based on emotions, expert advice or player popularity. At best, they consider past performances or statistics to find the optimal bet. We plan to build a recommender engine that ranks the players of different categories(Forward, Midfielder, Defender, Goalkeeper) and lets the user build his own team.</a:t>
+              <a:rPr lang="en-US" sz="3200" dirty="0"/>
+              <a:t>Player’s performance is predicted by factors such as player’s current trend, past season’s performances, explicit and implicit factors. We train our model on 2016-17 data with above factors and test our model on 2017-18 ranking the players in each game-week according to category.</a:t>
             </a:r>
           </a:p>
           <a:p>
@@ -3771,12 +3575,8 @@
               <a:buChar char="•"/>
             </a:pPr>
             <a:r>
-              <a:rPr lang="en-US" sz="3200" dirty="0">
-                <a:solidFill>
-                  <a:schemeClr val="bg1"/>
-                </a:solidFill>
-              </a:rPr>
-              <a:t>Our motivation of this project is to help soccer fans make informed decisions. Since our algorithms has no biases towards players, it helps bring relatively unknown players who are performing very well into limelight. This is due to the fact that we take into consideration unique features.</a:t>
+              <a:rPr lang="en-US" sz="3200" dirty="0"/>
+              <a:t>Players are ranked by assigning scores with Regression methods, SVR, and Bayesian Ridge models. Pairwise comparison of players is done using Ranking-SVM.</a:t>
             </a:r>
           </a:p>
           <a:p>
@@ -3785,12 +3585,8 @@
               <a:buChar char="•"/>
             </a:pPr>
             <a:r>
-              <a:rPr lang="en-US" sz="3200" dirty="0">
-                <a:solidFill>
-                  <a:schemeClr val="bg1"/>
-                </a:solidFill>
-              </a:rPr>
-              <a:t>Our motivation of this project is to help soccer fans make informed decisions. Since our algorithms has no biases towards players, it helps bring relatively unknown players who are performing very well into limelight. This is due to the fact that we take into consideration unique features.</a:t>
+              <a:rPr lang="en-US" sz="3200" dirty="0"/>
+              <a:t>Our model also recommends a team by formulating the problem as a linear optimization one. We put constraints such as user’s budget, number of players in each category and position configurations. The optimization function returns a list of players which is recommended to the users.</a:t>
             </a:r>
           </a:p>
         </p:txBody>
@@ -3819,7 +3615,7 @@
           </a:prstGeom>
           <a:ln>
             <a:solidFill>
-              <a:schemeClr val="bg1"/>
+              <a:schemeClr val="tx1"/>
             </a:solidFill>
           </a:ln>
         </p:spPr>

--- a/IR_P_Poster.pptx
+++ b/IR_P_Poster.pptx
@@ -3353,7 +3353,7 @@
         </p:nvSpPr>
         <p:spPr>
           <a:xfrm>
-            <a:off x="11179627" y="13813074"/>
+            <a:off x="11179627" y="11044240"/>
             <a:ext cx="9971314" cy="4770537"/>
           </a:xfrm>
           <a:prstGeom prst="rect">
@@ -3414,7 +3414,7 @@
         </p:nvSpPr>
         <p:spPr>
           <a:xfrm>
-            <a:off x="11179628" y="19876117"/>
+            <a:off x="11179628" y="23457517"/>
             <a:ext cx="10232572" cy="4524315"/>
           </a:xfrm>
           <a:prstGeom prst="rect">
@@ -3474,7 +3474,7 @@
         </p:nvSpPr>
         <p:spPr>
           <a:xfrm>
-            <a:off x="11179628" y="25689327"/>
+            <a:off x="11179628" y="28901291"/>
             <a:ext cx="10232572" cy="3293209"/>
           </a:xfrm>
           <a:prstGeom prst="rect">
@@ -3535,7 +3535,7 @@
         <p:spPr>
           <a:xfrm>
             <a:off x="11179627" y="4200636"/>
-            <a:ext cx="9971314" cy="8710077"/>
+            <a:ext cx="9971314" cy="6247864"/>
           </a:xfrm>
           <a:prstGeom prst="rect">
             <a:avLst/>
@@ -3566,7 +3566,7 @@
             </a:pPr>
             <a:r>
               <a:rPr lang="en-US" sz="3200" dirty="0"/>
-              <a:t>Player’s performance is predicted by factors such as player’s current trend, past season’s performances, explicit and implicit factors. We train our model on 2016-17 data with above factors and test our model on 2017-18 ranking the players in each game-week according to category.</a:t>
+              <a:t>Player’s performance is predicted by factors such as player’s current trend, past season’s performances, explicit and implicit factors. We train our model on 2016-17 data with above factors and test our model on 2017-18 ranking the players in each game-week according to category further used for building specific team configurations.</a:t>
             </a:r>
           </a:p>
           <a:p>
@@ -3577,16 +3577,6 @@
             <a:r>
               <a:rPr lang="en-US" sz="3200" dirty="0"/>
               <a:t>Players are ranked by assigning scores with Regression methods, SVR, and Bayesian Ridge models. Pairwise comparison of players is done using Ranking-SVM.</a:t>
-            </a:r>
-          </a:p>
-          <a:p>
-            <a:pPr marL="457200" indent="-457200">
-              <a:buFont typeface="Arial" panose="020B0604020202020204" pitchFamily="34" charset="0"/>
-              <a:buChar char="•"/>
-            </a:pPr>
-            <a:r>
-              <a:rPr lang="en-US" sz="3200" dirty="0"/>
-              <a:t>Our model also recommends a team by formulating the problem as a linear optimization one. We put constraints such as user’s budget, number of players in each category and position configurations. The optimization function returns a list of players which is recommended to the users.</a:t>
             </a:r>
           </a:p>
         </p:txBody>
@@ -3634,6 +3624,42 @@
           </a:fontRef>
         </p:style>
       </p:cxnSp>
+      <p:pic>
+        <p:nvPicPr>
+          <p:cNvPr id="21" name="Picture 20">
+            <a:extLst>
+              <a:ext uri="{FF2B5EF4-FFF2-40B4-BE49-F238E27FC236}">
+                <a16:creationId xmlns:a16="http://schemas.microsoft.com/office/drawing/2014/main" id="{4095A5EB-C241-4184-AA10-8EE82A4372D0}"/>
+              </a:ext>
+            </a:extLst>
+          </p:cNvPr>
+          <p:cNvPicPr>
+            <a:picLocks noChangeAspect="1"/>
+          </p:cNvPicPr>
+          <p:nvPr/>
+        </p:nvPicPr>
+        <p:blipFill>
+          <a:blip r:embed="rId4">
+            <a:extLst>
+              <a:ext uri="{28A0092B-C50C-407E-A947-70E740481C1C}">
+                <a14:useLocalDpi xmlns:a14="http://schemas.microsoft.com/office/drawing/2010/main" val="0"/>
+              </a:ext>
+            </a:extLst>
+          </a:blip>
+          <a:stretch>
+            <a:fillRect/>
+          </a:stretch>
+        </p:blipFill>
+        <p:spPr>
+          <a:xfrm>
+            <a:off x="11192840" y="15921676"/>
+            <a:ext cx="10559887" cy="7039924"/>
+          </a:xfrm>
+          <a:prstGeom prst="rect">
+            <a:avLst/>
+          </a:prstGeom>
+        </p:spPr>
+      </p:pic>
     </p:spTree>
     <p:extLst>
       <p:ext uri="{BB962C8B-B14F-4D97-AF65-F5344CB8AC3E}">

--- a/IR_P_Poster.pptx
+++ b/IR_P_Poster.pptx
@@ -2421,6 +2421,7 @@
       <p:bgPr>
         <a:blipFill dpi="0" rotWithShape="1">
           <a:blip r:embed="rId13">
+            <a:alphaModFix amt="40000"/>
             <a:lum/>
           </a:blip>
           <a:srcRect/>
@@ -2966,21 +2967,6 @@
 <file path=ppt/slides/slide1.xml><?xml version="1.0" encoding="utf-8"?>
 <p:sld xmlns:a="http://schemas.openxmlformats.org/drawingml/2006/main" xmlns:r="http://schemas.openxmlformats.org/officeDocument/2006/relationships" xmlns:p="http://schemas.openxmlformats.org/presentationml/2006/main">
   <p:cSld>
-    <p:bg>
-      <p:bgPr>
-        <a:blipFill dpi="0" rotWithShape="1">
-          <a:blip r:embed="rId2">
-            <a:alphaModFix amt="70000"/>
-            <a:lum/>
-          </a:blip>
-          <a:srcRect/>
-          <a:stretch>
-            <a:fillRect/>
-          </a:stretch>
-        </a:blipFill>
-        <a:effectLst/>
-      </p:bgPr>
-    </p:bg>
     <p:spTree>
       <p:nvGrpSpPr>
         <p:cNvPr id="1" name=""/>
@@ -3010,7 +2996,7 @@
           <p:nvPr/>
         </p:nvPicPr>
         <p:blipFill>
-          <a:blip r:embed="rId3">
+          <a:blip r:embed="rId2">
             <a:extLst>
               <a:ext uri="{28A0092B-C50C-407E-A947-70E740481C1C}">
                 <a14:useLocalDpi xmlns:a14="http://schemas.microsoft.com/office/drawing/2010/main" val="0"/>
@@ -3023,8 +3009,8 @@
         </p:blipFill>
         <p:spPr>
           <a:xfrm>
-            <a:off x="1204012" y="23996205"/>
-            <a:ext cx="8905861" cy="8905861"/>
+            <a:off x="937648" y="23262538"/>
+            <a:ext cx="9438587" cy="9438587"/>
           </a:xfrm>
           <a:prstGeom prst="rect">
             <a:avLst/>
@@ -3232,7 +3218,7 @@
         </p:nvSpPr>
         <p:spPr>
           <a:xfrm>
-            <a:off x="671286" y="10643413"/>
+            <a:off x="671285" y="10041345"/>
             <a:ext cx="9971314" cy="7232749"/>
           </a:xfrm>
           <a:prstGeom prst="rect">
@@ -3292,7 +3278,7 @@
         </p:nvSpPr>
         <p:spPr>
           <a:xfrm>
-            <a:off x="533400" y="18615093"/>
+            <a:off x="671285" y="17639557"/>
             <a:ext cx="9971314" cy="6247864"/>
           </a:xfrm>
           <a:prstGeom prst="rect">
@@ -3639,7 +3625,7 @@
           <p:nvPr/>
         </p:nvPicPr>
         <p:blipFill>
-          <a:blip r:embed="rId4">
+          <a:blip r:embed="rId3">
             <a:extLst>
               <a:ext uri="{28A0092B-C50C-407E-A947-70E740481C1C}">
                 <a14:useLocalDpi xmlns:a14="http://schemas.microsoft.com/office/drawing/2010/main" val="0"/>
